--- a/project_template.pptx
+++ b/project_template.pptx
@@ -107,6 +107,11 @@
       </a:defRPr>
     </a:lvl9pPr>
   </p:defaultTextStyle>
+  <p:extLst>
+    <p:ext uri="{EFAFB233-063F-42B5-8137-9DF3F51BA10A}">
+      <p15:sldGuideLst xmlns:p15="http://schemas.microsoft.com/office/powerpoint/2012/main"/>
+    </p:ext>
+  </p:extLst>
 </p:presentation>
 </file>
 
@@ -2970,7 +2975,7 @@
         </p:spPr>
         <p:txBody>
           <a:bodyPr>
-            <a:normAutofit/>
+            <a:normAutofit lnSpcReduction="10000"/>
           </a:bodyPr>
           <a:lstStyle/>
           <a:p>
@@ -2980,7 +2985,7 @@
               </a:lnSpc>
             </a:pPr>
             <a:r>
-              <a:rPr lang="en-IE" sz="3200" b="1" strike="noStrike" spc="-1">
+              <a:rPr lang="en-IE" sz="3200" b="1" strike="noStrike" spc="-1" dirty="0">
                 <a:solidFill>
                   <a:srgbClr val="0C0C0C"/>
                 </a:solidFill>
@@ -2989,25 +2994,56 @@
               <a:t>Image Segmentation for COVID-19 Chest X-RAY </a:t>
             </a:r>
             <a:r>
+              <a:rPr dirty="0"/>
               <a:t/>
             </a:r>
-            <a:br/>
+            <a:br>
+              <a:rPr dirty="0"/>
+            </a:br>
             <a:r>
-              <a:rPr lang="en-IE" sz="2000" b="1" strike="noStrike" spc="-1">
+              <a:rPr lang="en-IE" sz="2000" b="1" strike="noStrike" spc="-1" dirty="0" err="1">
                 <a:solidFill>
                   <a:srgbClr val="0C0C0C"/>
                 </a:solidFill>
                 <a:latin typeface="Arial"/>
               </a:rPr>
-              <a:t>Shubham Rai and Salim Ullah, TU Dresden, Germany GitHub link</a:t>
+              <a:t>Shubham</a:t>
             </a:r>
-            <a:endParaRPr lang="en-US" sz="2000" b="0" strike="noStrike" spc="-1">
+            <a:r>
+              <a:rPr lang="en-IE" sz="2000" b="1" strike="noStrike" spc="-1" dirty="0">
+                <a:solidFill>
+                  <a:srgbClr val="0C0C0C"/>
+                </a:solidFill>
+                <a:latin typeface="Arial"/>
+              </a:rPr>
+              <a:t> Rai and Salim Ullah, TU Dresden, Germany </a:t>
+            </a:r>
+            <a:endParaRPr lang="en-IE" sz="2000" b="1" strike="noStrike" spc="-1" dirty="0" smtClean="0">
               <a:solidFill>
                 <a:srgbClr val="0C0C0C"/>
               </a:solidFill>
               <a:latin typeface="Arial"/>
             </a:endParaRPr>
           </a:p>
+          <a:p>
+            <a:pPr algn="ctr">
+              <a:lnSpc>
+                <a:spcPct val="90000"/>
+              </a:lnSpc>
+            </a:pPr>
+            <a:r>
+              <a:rPr lang="en-US" dirty="0">
+                <a:hlinkClick r:id="rId3"/>
+              </a:rPr>
+              <a:t>https://github.com/shubhamrai26/xacc_project_img_segment</a:t>
+            </a:r>
+            <a:endParaRPr lang="en-US" sz="2000" b="0" strike="noStrike" spc="-1" dirty="0">
+              <a:solidFill>
+                <a:srgbClr val="0C0C0C"/>
+              </a:solidFill>
+              <a:latin typeface="Arial"/>
+            </a:endParaRPr>
+          </a:p>
         </p:txBody>
       </p:sp>
       <p:sp>
@@ -3031,7 +3067,7 @@
         </p:spPr>
         <p:txBody>
           <a:bodyPr>
-            <a:normAutofit fontScale="85000" lnSpcReduction="10000"/>
+            <a:normAutofit fontScale="77500" lnSpcReduction="20000"/>
           </a:bodyPr>
           <a:lstStyle/>
           <a:p>
@@ -3173,7 +3209,50 @@
                 </a:solidFill>
                 <a:latin typeface="Arial"/>
               </a:rPr>
-              <a:t>Executed Emu-SW, Emu-HW and Hardware builds </a:t>
+              <a:t>Executed Emu-SW, Emu-HW and Hardware </a:t>
+            </a:r>
+            <a:r>
+              <a:rPr lang="en-US" sz="2000" b="0" strike="noStrike" spc="-1" dirty="0" smtClean="0">
+                <a:solidFill>
+                  <a:srgbClr val="0C0C0C"/>
+                </a:solidFill>
+                <a:latin typeface="Arial"/>
+              </a:rPr>
+              <a:t>builds</a:t>
+            </a:r>
+          </a:p>
+          <a:p>
+            <a:pPr marL="452880" lvl="1" indent="-219960">
+              <a:lnSpc>
+                <a:spcPct val="95000"/>
+              </a:lnSpc>
+              <a:spcBef>
+                <a:spcPts val="601"/>
+              </a:spcBef>
+              <a:buClr>
+                <a:srgbClr val="E20000"/>
+              </a:buClr>
+              <a:buSzPct val="80000"/>
+              <a:buFont typeface="Wingdings 3" charset="2"/>
+              <a:buChar char=""/>
+            </a:pPr>
+            <a:r>
+              <a:rPr lang="en-US" sz="2000" spc="-1" dirty="0" smtClean="0">
+                <a:solidFill>
+                  <a:srgbClr val="0C0C0C"/>
+                </a:solidFill>
+                <a:latin typeface="Arial"/>
+              </a:rPr>
+              <a:t>Filters to be added: </a:t>
+            </a:r>
+            <a:r>
+              <a:rPr lang="en-US" sz="2000" b="0" strike="noStrike" spc="-1" dirty="0" smtClean="0">
+                <a:solidFill>
+                  <a:srgbClr val="0C0C0C"/>
+                </a:solidFill>
+                <a:latin typeface="Arial"/>
+              </a:rPr>
+              <a:t> Canny, Histogram</a:t>
             </a:r>
             <a:endParaRPr lang="en-US" sz="2000" b="0" strike="noStrike" spc="-1" dirty="0">
               <a:solidFill>
@@ -3204,7 +3283,16 @@
                 </a:solidFill>
                 <a:latin typeface="Arial"/>
               </a:rPr>
-              <a:t>Block diagram?</a:t>
+              <a:t>Block </a:t>
+            </a:r>
+            <a:r>
+              <a:rPr lang="en-IE" sz="2400" b="0" strike="noStrike" spc="-1" dirty="0" smtClean="0">
+                <a:solidFill>
+                  <a:srgbClr val="0C0C0C"/>
+                </a:solidFill>
+                <a:latin typeface="Arial"/>
+              </a:rPr>
+              <a:t>diagram of achieved progress</a:t>
             </a:r>
             <a:endParaRPr lang="en-US" sz="2400" b="0" strike="noStrike" spc="-1" dirty="0">
               <a:solidFill>
@@ -3223,7 +3311,7 @@
         </p:nvSpPr>
         <p:spPr>
           <a:xfrm>
-            <a:off x="6248520" y="1188000"/>
+            <a:off x="6248520" y="1463040"/>
             <a:ext cx="5364000" cy="2469600"/>
           </a:xfrm>
           <a:prstGeom prst="rect">
@@ -3489,325 +3577,19 @@
               <a:buChar char=""/>
             </a:pPr>
             <a:r>
-              <a:rPr lang="en-IE" sz="2400" b="0" strike="noStrike" spc="-1">
+              <a:rPr lang="en-IE" sz="2400" b="0" strike="noStrike" spc="-1" dirty="0" smtClean="0">
                 <a:solidFill>
                   <a:srgbClr val="0C0C0C"/>
                 </a:solidFill>
                 <a:latin typeface="Arial"/>
               </a:rPr>
-              <a:t>Results, Image?</a:t>
+              <a:t>Image</a:t>
             </a:r>
-            <a:endParaRPr lang="en-US" sz="2400" b="0" strike="noStrike" spc="-1">
+            <a:endParaRPr lang="en-US" sz="2400" b="0" strike="noStrike" spc="-1" dirty="0">
               <a:latin typeface="Arial"/>
             </a:endParaRPr>
           </a:p>
         </p:txBody>
-      </p:sp>
-      <p:pic>
-        <p:nvPicPr>
-          <p:cNvPr id="53" name="Picture 5"/>
-          <p:cNvPicPr/>
-          <p:nvPr/>
-        </p:nvPicPr>
-        <p:blipFill>
-          <a:blip r:embed="rId3"/>
-          <a:srcRect t="43102" r="25189"/>
-          <a:stretch/>
-        </p:blipFill>
-        <p:spPr>
-          <a:xfrm>
-            <a:off x="6311880" y="4725000"/>
-            <a:ext cx="2158560" cy="1507320"/>
-          </a:xfrm>
-          <a:prstGeom prst="rect">
-            <a:avLst/>
-          </a:prstGeom>
-          <a:ln>
-            <a:noFill/>
-          </a:ln>
-        </p:spPr>
-      </p:pic>
-      <p:sp>
-        <p:nvSpPr>
-          <p:cNvPr id="54" name="CustomShape 5"/>
-          <p:cNvSpPr/>
-          <p:nvPr/>
-        </p:nvSpPr>
-        <p:spPr>
-          <a:xfrm>
-            <a:off x="967500" y="5085000"/>
-            <a:ext cx="719640" cy="719640"/>
-          </a:xfrm>
-          <a:prstGeom prst="rect">
-            <a:avLst/>
-          </a:prstGeom>
-          <a:solidFill>
-            <a:schemeClr val="accent2"/>
-          </a:solidFill>
-          <a:ln>
-            <a:noFill/>
-          </a:ln>
-        </p:spPr>
-        <p:style>
-          <a:lnRef idx="2">
-            <a:schemeClr val="accent1">
-              <a:shade val="50000"/>
-            </a:schemeClr>
-          </a:lnRef>
-          <a:fillRef idx="1">
-            <a:schemeClr val="accent1"/>
-          </a:fillRef>
-          <a:effectRef idx="0">
-            <a:schemeClr val="accent1"/>
-          </a:effectRef>
-          <a:fontRef idx="minor"/>
-        </p:style>
-      </p:sp>
-      <p:sp>
-        <p:nvSpPr>
-          <p:cNvPr id="55" name="CustomShape 6"/>
-          <p:cNvSpPr/>
-          <p:nvPr/>
-        </p:nvSpPr>
-        <p:spPr>
-          <a:xfrm>
-            <a:off x="2063520" y="5085360"/>
-            <a:ext cx="719640" cy="719640"/>
-          </a:xfrm>
-          <a:prstGeom prst="rect">
-            <a:avLst/>
-          </a:prstGeom>
-          <a:solidFill>
-            <a:schemeClr val="accent2"/>
-          </a:solidFill>
-          <a:ln>
-            <a:noFill/>
-          </a:ln>
-        </p:spPr>
-        <p:style>
-          <a:lnRef idx="2">
-            <a:schemeClr val="accent1">
-              <a:shade val="50000"/>
-            </a:schemeClr>
-          </a:lnRef>
-          <a:fillRef idx="1">
-            <a:schemeClr val="accent1"/>
-          </a:fillRef>
-          <a:effectRef idx="0">
-            <a:schemeClr val="accent1"/>
-          </a:effectRef>
-          <a:fontRef idx="minor"/>
-        </p:style>
-      </p:sp>
-      <p:sp>
-        <p:nvSpPr>
-          <p:cNvPr id="56" name="CustomShape 7"/>
-          <p:cNvSpPr/>
-          <p:nvPr/>
-        </p:nvSpPr>
-        <p:spPr>
-          <a:xfrm>
-            <a:off x="3071520" y="5085360"/>
-            <a:ext cx="719640" cy="719640"/>
-          </a:xfrm>
-          <a:prstGeom prst="rect">
-            <a:avLst/>
-          </a:prstGeom>
-          <a:solidFill>
-            <a:schemeClr val="accent2"/>
-          </a:solidFill>
-          <a:ln>
-            <a:noFill/>
-          </a:ln>
-        </p:spPr>
-        <p:style>
-          <a:lnRef idx="2">
-            <a:schemeClr val="accent1">
-              <a:shade val="50000"/>
-            </a:schemeClr>
-          </a:lnRef>
-          <a:fillRef idx="1">
-            <a:schemeClr val="accent1"/>
-          </a:fillRef>
-          <a:effectRef idx="0">
-            <a:schemeClr val="accent1"/>
-          </a:effectRef>
-          <a:fontRef idx="minor"/>
-        </p:style>
-      </p:sp>
-      <p:sp>
-        <p:nvSpPr>
-          <p:cNvPr id="57" name="CustomShape 8"/>
-          <p:cNvSpPr/>
-          <p:nvPr/>
-        </p:nvSpPr>
-        <p:spPr>
-          <a:xfrm>
-            <a:off x="4151880" y="5085360"/>
-            <a:ext cx="719640" cy="719640"/>
-          </a:xfrm>
-          <a:prstGeom prst="rect">
-            <a:avLst/>
-          </a:prstGeom>
-          <a:solidFill>
-            <a:schemeClr val="accent2"/>
-          </a:solidFill>
-          <a:ln>
-            <a:noFill/>
-          </a:ln>
-        </p:spPr>
-        <p:style>
-          <a:lnRef idx="2">
-            <a:schemeClr val="accent1">
-              <a:shade val="50000"/>
-            </a:schemeClr>
-          </a:lnRef>
-          <a:fillRef idx="1">
-            <a:schemeClr val="accent1"/>
-          </a:fillRef>
-          <a:effectRef idx="0">
-            <a:schemeClr val="accent1"/>
-          </a:effectRef>
-          <a:fontRef idx="minor"/>
-        </p:style>
-      </p:sp>
-      <p:sp>
-        <p:nvSpPr>
-          <p:cNvPr id="58" name="CustomShape 9"/>
-          <p:cNvSpPr/>
-          <p:nvPr/>
-        </p:nvSpPr>
-        <p:spPr>
-          <a:xfrm>
-            <a:off x="1703520" y="5445360"/>
-            <a:ext cx="359640" cy="360"/>
-          </a:xfrm>
-          <a:custGeom>
-            <a:avLst/>
-            <a:gdLst/>
-            <a:ahLst/>
-            <a:cxnLst/>
-            <a:rect l="l" t="t" r="r" b="b"/>
-            <a:pathLst>
-              <a:path w="21600" h="21600">
-                <a:moveTo>
-                  <a:pt x="0" y="0"/>
-                </a:moveTo>
-                <a:lnTo>
-                  <a:pt x="21600" y="21600"/>
-                </a:lnTo>
-              </a:path>
-            </a:pathLst>
-          </a:custGeom>
-          <a:noFill/>
-          <a:ln>
-            <a:tailEnd type="triangle" w="med" len="med"/>
-          </a:ln>
-        </p:spPr>
-        <p:style>
-          <a:lnRef idx="1">
-            <a:schemeClr val="accent1"/>
-          </a:lnRef>
-          <a:fillRef idx="0">
-            <a:schemeClr val="accent1"/>
-          </a:fillRef>
-          <a:effectRef idx="0">
-            <a:schemeClr val="accent1"/>
-          </a:effectRef>
-          <a:fontRef idx="minor"/>
-        </p:style>
-      </p:sp>
-      <p:sp>
-        <p:nvSpPr>
-          <p:cNvPr id="59" name="CustomShape 10"/>
-          <p:cNvSpPr/>
-          <p:nvPr/>
-        </p:nvSpPr>
-        <p:spPr>
-          <a:xfrm>
-            <a:off x="2783520" y="5445360"/>
-            <a:ext cx="287640" cy="360"/>
-          </a:xfrm>
-          <a:custGeom>
-            <a:avLst/>
-            <a:gdLst/>
-            <a:ahLst/>
-            <a:cxnLst/>
-            <a:rect l="l" t="t" r="r" b="b"/>
-            <a:pathLst>
-              <a:path w="21600" h="21600">
-                <a:moveTo>
-                  <a:pt x="0" y="0"/>
-                </a:moveTo>
-                <a:lnTo>
-                  <a:pt x="21600" y="21600"/>
-                </a:lnTo>
-              </a:path>
-            </a:pathLst>
-          </a:custGeom>
-          <a:noFill/>
-          <a:ln>
-            <a:tailEnd type="triangle" w="med" len="med"/>
-          </a:ln>
-        </p:spPr>
-        <p:style>
-          <a:lnRef idx="1">
-            <a:schemeClr val="accent1"/>
-          </a:lnRef>
-          <a:fillRef idx="0">
-            <a:schemeClr val="accent1"/>
-          </a:fillRef>
-          <a:effectRef idx="0">
-            <a:schemeClr val="accent1"/>
-          </a:effectRef>
-          <a:fontRef idx="minor"/>
-        </p:style>
-      </p:sp>
-      <p:sp>
-        <p:nvSpPr>
-          <p:cNvPr id="60" name="CustomShape 11"/>
-          <p:cNvSpPr/>
-          <p:nvPr/>
-        </p:nvSpPr>
-        <p:spPr>
-          <a:xfrm>
-            <a:off x="3791880" y="5445360"/>
-            <a:ext cx="359640" cy="360"/>
-          </a:xfrm>
-          <a:custGeom>
-            <a:avLst/>
-            <a:gdLst/>
-            <a:ahLst/>
-            <a:cxnLst/>
-            <a:rect l="l" t="t" r="r" b="b"/>
-            <a:pathLst>
-              <a:path w="21600" h="21600">
-                <a:moveTo>
-                  <a:pt x="0" y="0"/>
-                </a:moveTo>
-                <a:lnTo>
-                  <a:pt x="21600" y="21600"/>
-                </a:lnTo>
-              </a:path>
-            </a:pathLst>
-          </a:custGeom>
-          <a:noFill/>
-          <a:ln>
-            <a:tailEnd type="triangle" w="med" len="med"/>
-          </a:ln>
-        </p:spPr>
-        <p:style>
-          <a:lnRef idx="1">
-            <a:schemeClr val="accent1"/>
-          </a:lnRef>
-          <a:fillRef idx="0">
-            <a:schemeClr val="accent1"/>
-          </a:fillRef>
-          <a:effectRef idx="0">
-            <a:schemeClr val="accent1"/>
-          </a:effectRef>
-          <a:fontRef idx="minor"/>
-        </p:style>
       </p:sp>
       <p:grpSp>
         <p:nvGrpSpPr>
@@ -3817,7 +3599,7 @@
         </p:nvGrpSpPr>
         <p:grpSpPr>
           <a:xfrm>
-            <a:off x="9241560" y="4459680"/>
+            <a:off x="7738764" y="4459680"/>
             <a:ext cx="2955600" cy="1686960"/>
             <a:chOff x="9241560" y="4459680"/>
             <a:chExt cx="2955600" cy="1686960"/>
@@ -3984,6 +3766,733 @@
           </p:txBody>
         </p:sp>
       </p:grpSp>
+      <p:grpSp>
+        <p:nvGrpSpPr>
+          <p:cNvPr id="3" name="Group 2"/>
+          <p:cNvGrpSpPr/>
+          <p:nvPr/>
+        </p:nvGrpSpPr>
+        <p:grpSpPr>
+          <a:xfrm>
+            <a:off x="952084" y="3890637"/>
+            <a:ext cx="1188388" cy="854668"/>
+            <a:chOff x="967499" y="4949972"/>
+            <a:chExt cx="1188388" cy="854668"/>
+          </a:xfrm>
+        </p:grpSpPr>
+        <p:sp>
+          <p:nvSpPr>
+            <p:cNvPr id="54" name="CustomShape 5"/>
+            <p:cNvSpPr/>
+            <p:nvPr/>
+          </p:nvSpPr>
+          <p:spPr>
+            <a:xfrm>
+              <a:off x="967499" y="4949972"/>
+              <a:ext cx="995636" cy="854668"/>
+            </a:xfrm>
+            <a:prstGeom prst="rect">
+              <a:avLst/>
+            </a:prstGeom>
+            <a:solidFill>
+              <a:schemeClr val="accent4">
+                <a:lumMod val="20000"/>
+                <a:lumOff val="80000"/>
+              </a:schemeClr>
+            </a:solidFill>
+            <a:ln>
+              <a:solidFill>
+                <a:schemeClr val="tx1"/>
+              </a:solidFill>
+            </a:ln>
+          </p:spPr>
+          <p:style>
+            <a:lnRef idx="2">
+              <a:schemeClr val="accent1">
+                <a:shade val="50000"/>
+              </a:schemeClr>
+            </a:lnRef>
+            <a:fillRef idx="1">
+              <a:schemeClr val="accent1"/>
+            </a:fillRef>
+            <a:effectRef idx="0">
+              <a:schemeClr val="accent1"/>
+            </a:effectRef>
+            <a:fontRef idx="minor"/>
+          </p:style>
+        </p:sp>
+        <p:sp>
+          <p:nvSpPr>
+            <p:cNvPr id="2" name="TextBox 1"/>
+            <p:cNvSpPr txBox="1"/>
+            <p:nvPr/>
+          </p:nvSpPr>
+          <p:spPr>
+            <a:xfrm>
+              <a:off x="1055474" y="5028873"/>
+              <a:ext cx="1100413" cy="646331"/>
+            </a:xfrm>
+            <a:prstGeom prst="rect">
+              <a:avLst/>
+            </a:prstGeom>
+            <a:noFill/>
+          </p:spPr>
+          <p:txBody>
+            <a:bodyPr wrap="square" rtlCol="0">
+              <a:spAutoFit/>
+            </a:bodyPr>
+            <a:lstStyle/>
+            <a:p>
+              <a:r>
+                <a:rPr lang="en-US" dirty="0" smtClean="0"/>
+                <a:t>Input Image</a:t>
+              </a:r>
+              <a:endParaRPr lang="en-US" dirty="0"/>
+            </a:p>
+          </p:txBody>
+        </p:sp>
+      </p:grpSp>
+      <p:grpSp>
+        <p:nvGrpSpPr>
+          <p:cNvPr id="21" name="Group 20"/>
+          <p:cNvGrpSpPr/>
+          <p:nvPr/>
+        </p:nvGrpSpPr>
+        <p:grpSpPr>
+          <a:xfrm>
+            <a:off x="4152762" y="3880338"/>
+            <a:ext cx="1175816" cy="854668"/>
+            <a:chOff x="967499" y="4949972"/>
+            <a:chExt cx="1175816" cy="854668"/>
+          </a:xfrm>
+        </p:grpSpPr>
+        <p:sp>
+          <p:nvSpPr>
+            <p:cNvPr id="22" name="CustomShape 5"/>
+            <p:cNvSpPr/>
+            <p:nvPr/>
+          </p:nvSpPr>
+          <p:spPr>
+            <a:xfrm>
+              <a:off x="967499" y="4949972"/>
+              <a:ext cx="995636" cy="854668"/>
+            </a:xfrm>
+            <a:prstGeom prst="rect">
+              <a:avLst/>
+            </a:prstGeom>
+            <a:solidFill>
+              <a:schemeClr val="accent4">
+                <a:lumMod val="20000"/>
+                <a:lumOff val="80000"/>
+              </a:schemeClr>
+            </a:solidFill>
+            <a:ln>
+              <a:solidFill>
+                <a:schemeClr val="tx1"/>
+              </a:solidFill>
+            </a:ln>
+          </p:spPr>
+          <p:style>
+            <a:lnRef idx="2">
+              <a:schemeClr val="accent1">
+                <a:shade val="50000"/>
+              </a:schemeClr>
+            </a:lnRef>
+            <a:fillRef idx="1">
+              <a:schemeClr val="accent1"/>
+            </a:fillRef>
+            <a:effectRef idx="0">
+              <a:schemeClr val="accent1"/>
+            </a:effectRef>
+            <a:fontRef idx="minor"/>
+          </p:style>
+        </p:sp>
+        <p:sp>
+          <p:nvSpPr>
+            <p:cNvPr id="23" name="TextBox 22"/>
+            <p:cNvSpPr txBox="1"/>
+            <p:nvPr/>
+          </p:nvSpPr>
+          <p:spPr>
+            <a:xfrm>
+              <a:off x="1042902" y="5157074"/>
+              <a:ext cx="1100413" cy="369332"/>
+            </a:xfrm>
+            <a:prstGeom prst="rect">
+              <a:avLst/>
+            </a:prstGeom>
+            <a:noFill/>
+          </p:spPr>
+          <p:txBody>
+            <a:bodyPr wrap="square" rtlCol="0">
+              <a:spAutoFit/>
+            </a:bodyPr>
+            <a:lstStyle/>
+            <a:p>
+              <a:r>
+                <a:rPr lang="en-US" dirty="0" smtClean="0"/>
+                <a:t>Resize</a:t>
+              </a:r>
+              <a:endParaRPr lang="en-US" dirty="0"/>
+            </a:p>
+          </p:txBody>
+        </p:sp>
+      </p:grpSp>
+      <p:grpSp>
+        <p:nvGrpSpPr>
+          <p:cNvPr id="24" name="Group 23"/>
+          <p:cNvGrpSpPr/>
+          <p:nvPr/>
+        </p:nvGrpSpPr>
+        <p:grpSpPr>
+          <a:xfrm>
+            <a:off x="4152240" y="5052335"/>
+            <a:ext cx="1175816" cy="854668"/>
+            <a:chOff x="967499" y="4949972"/>
+            <a:chExt cx="1175816" cy="854668"/>
+          </a:xfrm>
+        </p:grpSpPr>
+        <p:sp>
+          <p:nvSpPr>
+            <p:cNvPr id="25" name="CustomShape 5"/>
+            <p:cNvSpPr/>
+            <p:nvPr/>
+          </p:nvSpPr>
+          <p:spPr>
+            <a:xfrm>
+              <a:off x="967499" y="4949972"/>
+              <a:ext cx="995636" cy="854668"/>
+            </a:xfrm>
+            <a:prstGeom prst="rect">
+              <a:avLst/>
+            </a:prstGeom>
+            <a:solidFill>
+              <a:schemeClr val="accent4">
+                <a:lumMod val="20000"/>
+                <a:lumOff val="80000"/>
+              </a:schemeClr>
+            </a:solidFill>
+            <a:ln>
+              <a:solidFill>
+                <a:schemeClr val="tx1"/>
+              </a:solidFill>
+            </a:ln>
+          </p:spPr>
+          <p:style>
+            <a:lnRef idx="2">
+              <a:schemeClr val="accent1">
+                <a:shade val="50000"/>
+              </a:schemeClr>
+            </a:lnRef>
+            <a:fillRef idx="1">
+              <a:schemeClr val="accent1"/>
+            </a:fillRef>
+            <a:effectRef idx="0">
+              <a:schemeClr val="accent1"/>
+            </a:effectRef>
+            <a:fontRef idx="minor"/>
+          </p:style>
+        </p:sp>
+        <p:sp>
+          <p:nvSpPr>
+            <p:cNvPr id="26" name="TextBox 25"/>
+            <p:cNvSpPr txBox="1"/>
+            <p:nvPr/>
+          </p:nvSpPr>
+          <p:spPr>
+            <a:xfrm>
+              <a:off x="1042902" y="5157074"/>
+              <a:ext cx="1100413" cy="369332"/>
+            </a:xfrm>
+            <a:prstGeom prst="rect">
+              <a:avLst/>
+            </a:prstGeom>
+            <a:noFill/>
+          </p:spPr>
+          <p:txBody>
+            <a:bodyPr wrap="square" rtlCol="0">
+              <a:spAutoFit/>
+            </a:bodyPr>
+            <a:lstStyle/>
+            <a:p>
+              <a:r>
+                <a:rPr lang="en-US" dirty="0" smtClean="0"/>
+                <a:t>Erode</a:t>
+              </a:r>
+              <a:endParaRPr lang="en-US" dirty="0"/>
+            </a:p>
+          </p:txBody>
+        </p:sp>
+      </p:grpSp>
+      <p:grpSp>
+        <p:nvGrpSpPr>
+          <p:cNvPr id="27" name="Group 26"/>
+          <p:cNvGrpSpPr/>
+          <p:nvPr/>
+        </p:nvGrpSpPr>
+        <p:grpSpPr>
+          <a:xfrm>
+            <a:off x="2524973" y="3856306"/>
+            <a:ext cx="1100413" cy="923330"/>
+            <a:chOff x="947462" y="4925940"/>
+            <a:chExt cx="1100413" cy="923330"/>
+          </a:xfrm>
+        </p:grpSpPr>
+        <p:sp>
+          <p:nvSpPr>
+            <p:cNvPr id="28" name="CustomShape 5"/>
+            <p:cNvSpPr/>
+            <p:nvPr/>
+          </p:nvSpPr>
+          <p:spPr>
+            <a:xfrm>
+              <a:off x="967499" y="4949972"/>
+              <a:ext cx="995636" cy="854668"/>
+            </a:xfrm>
+            <a:prstGeom prst="rect">
+              <a:avLst/>
+            </a:prstGeom>
+            <a:solidFill>
+              <a:schemeClr val="accent4">
+                <a:lumMod val="20000"/>
+                <a:lumOff val="80000"/>
+              </a:schemeClr>
+            </a:solidFill>
+            <a:ln>
+              <a:solidFill>
+                <a:schemeClr val="tx1"/>
+              </a:solidFill>
+            </a:ln>
+          </p:spPr>
+          <p:style>
+            <a:lnRef idx="2">
+              <a:schemeClr val="accent1">
+                <a:shade val="50000"/>
+              </a:schemeClr>
+            </a:lnRef>
+            <a:fillRef idx="1">
+              <a:schemeClr val="accent1"/>
+            </a:fillRef>
+            <a:effectRef idx="0">
+              <a:schemeClr val="accent1"/>
+            </a:effectRef>
+            <a:fontRef idx="minor"/>
+          </p:style>
+        </p:sp>
+        <p:sp>
+          <p:nvSpPr>
+            <p:cNvPr id="29" name="TextBox 28"/>
+            <p:cNvSpPr txBox="1"/>
+            <p:nvPr/>
+          </p:nvSpPr>
+          <p:spPr>
+            <a:xfrm>
+              <a:off x="947462" y="4925940"/>
+              <a:ext cx="1100413" cy="923330"/>
+            </a:xfrm>
+            <a:prstGeom prst="rect">
+              <a:avLst/>
+            </a:prstGeom>
+            <a:noFill/>
+          </p:spPr>
+          <p:txBody>
+            <a:bodyPr wrap="square" rtlCol="0">
+              <a:spAutoFit/>
+            </a:bodyPr>
+            <a:lstStyle/>
+            <a:p>
+              <a:r>
+                <a:rPr lang="en-US" dirty="0" err="1" smtClean="0"/>
+                <a:t>CvtColor</a:t>
+              </a:r>
+              <a:endParaRPr lang="en-US" dirty="0" smtClean="0"/>
+            </a:p>
+            <a:p>
+              <a:r>
+                <a:rPr lang="en-US" dirty="0" smtClean="0"/>
+                <a:t>BGR2</a:t>
+              </a:r>
+            </a:p>
+            <a:p>
+              <a:r>
+                <a:rPr lang="en-US" dirty="0" smtClean="0"/>
+                <a:t>GRAY</a:t>
+              </a:r>
+              <a:endParaRPr lang="en-US" dirty="0"/>
+            </a:p>
+          </p:txBody>
+        </p:sp>
+      </p:grpSp>
+      <p:grpSp>
+        <p:nvGrpSpPr>
+          <p:cNvPr id="30" name="Group 29"/>
+          <p:cNvGrpSpPr/>
+          <p:nvPr/>
+        </p:nvGrpSpPr>
+        <p:grpSpPr>
+          <a:xfrm>
+            <a:off x="2574024" y="5052335"/>
+            <a:ext cx="1232966" cy="854668"/>
+            <a:chOff x="967499" y="4949972"/>
+            <a:chExt cx="1232966" cy="854668"/>
+          </a:xfrm>
+        </p:grpSpPr>
+        <p:sp>
+          <p:nvSpPr>
+            <p:cNvPr id="31" name="CustomShape 5"/>
+            <p:cNvSpPr/>
+            <p:nvPr/>
+          </p:nvSpPr>
+          <p:spPr>
+            <a:xfrm>
+              <a:off x="967499" y="4949972"/>
+              <a:ext cx="995636" cy="854668"/>
+            </a:xfrm>
+            <a:prstGeom prst="rect">
+              <a:avLst/>
+            </a:prstGeom>
+            <a:solidFill>
+              <a:schemeClr val="accent4">
+                <a:lumMod val="20000"/>
+                <a:lumOff val="80000"/>
+              </a:schemeClr>
+            </a:solidFill>
+            <a:ln>
+              <a:solidFill>
+                <a:schemeClr val="tx1"/>
+              </a:solidFill>
+            </a:ln>
+          </p:spPr>
+          <p:style>
+            <a:lnRef idx="2">
+              <a:schemeClr val="accent1">
+                <a:shade val="50000"/>
+              </a:schemeClr>
+            </a:lnRef>
+            <a:fillRef idx="1">
+              <a:schemeClr val="accent1"/>
+            </a:fillRef>
+            <a:effectRef idx="0">
+              <a:schemeClr val="accent1"/>
+            </a:effectRef>
+            <a:fontRef idx="minor"/>
+          </p:style>
+        </p:sp>
+        <p:sp>
+          <p:nvSpPr>
+            <p:cNvPr id="32" name="TextBox 31"/>
+            <p:cNvSpPr txBox="1"/>
+            <p:nvPr/>
+          </p:nvSpPr>
+          <p:spPr>
+            <a:xfrm>
+              <a:off x="1100052" y="5157074"/>
+              <a:ext cx="1100413" cy="369332"/>
+            </a:xfrm>
+            <a:prstGeom prst="rect">
+              <a:avLst/>
+            </a:prstGeom>
+            <a:noFill/>
+          </p:spPr>
+          <p:txBody>
+            <a:bodyPr wrap="square" rtlCol="0">
+              <a:spAutoFit/>
+            </a:bodyPr>
+            <a:lstStyle/>
+            <a:p>
+              <a:r>
+                <a:rPr lang="en-US" dirty="0" smtClean="0"/>
+                <a:t>Dilate</a:t>
+              </a:r>
+              <a:endParaRPr lang="en-US" dirty="0"/>
+            </a:p>
+          </p:txBody>
+        </p:sp>
+      </p:grpSp>
+      <p:grpSp>
+        <p:nvGrpSpPr>
+          <p:cNvPr id="33" name="Group 32"/>
+          <p:cNvGrpSpPr/>
+          <p:nvPr/>
+        </p:nvGrpSpPr>
+        <p:grpSpPr>
+          <a:xfrm>
+            <a:off x="967441" y="5052335"/>
+            <a:ext cx="1175816" cy="854668"/>
+            <a:chOff x="967499" y="4949972"/>
+            <a:chExt cx="1175816" cy="854668"/>
+          </a:xfrm>
+        </p:grpSpPr>
+        <p:sp>
+          <p:nvSpPr>
+            <p:cNvPr id="34" name="CustomShape 5"/>
+            <p:cNvSpPr/>
+            <p:nvPr/>
+          </p:nvSpPr>
+          <p:spPr>
+            <a:xfrm>
+              <a:off x="967499" y="4949972"/>
+              <a:ext cx="995636" cy="854668"/>
+            </a:xfrm>
+            <a:prstGeom prst="rect">
+              <a:avLst/>
+            </a:prstGeom>
+            <a:solidFill>
+              <a:schemeClr val="accent4">
+                <a:lumMod val="20000"/>
+                <a:lumOff val="80000"/>
+              </a:schemeClr>
+            </a:solidFill>
+            <a:ln>
+              <a:solidFill>
+                <a:schemeClr val="tx1"/>
+              </a:solidFill>
+            </a:ln>
+          </p:spPr>
+          <p:style>
+            <a:lnRef idx="2">
+              <a:schemeClr val="accent1">
+                <a:shade val="50000"/>
+              </a:schemeClr>
+            </a:lnRef>
+            <a:fillRef idx="1">
+              <a:schemeClr val="accent1"/>
+            </a:fillRef>
+            <a:effectRef idx="0">
+              <a:schemeClr val="accent1"/>
+            </a:effectRef>
+            <a:fontRef idx="minor"/>
+          </p:style>
+        </p:sp>
+        <p:sp>
+          <p:nvSpPr>
+            <p:cNvPr id="35" name="TextBox 34"/>
+            <p:cNvSpPr txBox="1"/>
+            <p:nvPr/>
+          </p:nvSpPr>
+          <p:spPr>
+            <a:xfrm>
+              <a:off x="1042902" y="5061824"/>
+              <a:ext cx="1100413" cy="646331"/>
+            </a:xfrm>
+            <a:prstGeom prst="rect">
+              <a:avLst/>
+            </a:prstGeom>
+            <a:noFill/>
+          </p:spPr>
+          <p:txBody>
+            <a:bodyPr wrap="square" rtlCol="0">
+              <a:spAutoFit/>
+            </a:bodyPr>
+            <a:lstStyle/>
+            <a:p>
+              <a:r>
+                <a:rPr lang="en-US" dirty="0" smtClean="0"/>
+                <a:t>Output</a:t>
+              </a:r>
+            </a:p>
+            <a:p>
+              <a:r>
+                <a:rPr lang="en-US" dirty="0" smtClean="0"/>
+                <a:t>Image</a:t>
+              </a:r>
+              <a:endParaRPr lang="en-US" dirty="0"/>
+            </a:p>
+          </p:txBody>
+        </p:sp>
+      </p:grpSp>
+      <p:sp>
+        <p:nvSpPr>
+          <p:cNvPr id="4" name="Right Arrow 3"/>
+          <p:cNvSpPr/>
+          <p:nvPr/>
+        </p:nvSpPr>
+        <p:spPr>
+          <a:xfrm>
+            <a:off x="1947720" y="4187636"/>
+            <a:ext cx="577253" cy="203519"/>
+          </a:xfrm>
+          <a:prstGeom prst="rightArrow">
+            <a:avLst/>
+          </a:prstGeom>
+          <a:solidFill>
+            <a:srgbClr val="0070C0"/>
+          </a:solidFill>
+          <a:ln>
+            <a:solidFill>
+              <a:srgbClr val="0070C0"/>
+            </a:solidFill>
+          </a:ln>
+        </p:spPr>
+        <p:style>
+          <a:lnRef idx="2">
+            <a:schemeClr val="accent1">
+              <a:shade val="50000"/>
+            </a:schemeClr>
+          </a:lnRef>
+          <a:fillRef idx="1">
+            <a:schemeClr val="accent1"/>
+          </a:fillRef>
+          <a:effectRef idx="0">
+            <a:schemeClr val="accent1"/>
+          </a:effectRef>
+          <a:fontRef idx="minor">
+            <a:schemeClr val="lt1"/>
+          </a:fontRef>
+        </p:style>
+        <p:txBody>
+          <a:bodyPr rtlCol="0" anchor="ctr"/>
+          <a:lstStyle/>
+          <a:p>
+            <a:pPr algn="ctr"/>
+            <a:endParaRPr lang="en-US"/>
+          </a:p>
+        </p:txBody>
+      </p:sp>
+      <p:sp>
+        <p:nvSpPr>
+          <p:cNvPr id="37" name="Right Arrow 36"/>
+          <p:cNvSpPr/>
+          <p:nvPr/>
+        </p:nvSpPr>
+        <p:spPr>
+          <a:xfrm>
+            <a:off x="3560607" y="4195264"/>
+            <a:ext cx="577253" cy="203519"/>
+          </a:xfrm>
+          <a:prstGeom prst="rightArrow">
+            <a:avLst/>
+          </a:prstGeom>
+          <a:solidFill>
+            <a:srgbClr val="0070C0"/>
+          </a:solidFill>
+          <a:ln>
+            <a:solidFill>
+              <a:srgbClr val="0070C0"/>
+            </a:solidFill>
+          </a:ln>
+        </p:spPr>
+        <p:style>
+          <a:lnRef idx="2">
+            <a:schemeClr val="accent1">
+              <a:shade val="50000"/>
+            </a:schemeClr>
+          </a:lnRef>
+          <a:fillRef idx="1">
+            <a:schemeClr val="accent1"/>
+          </a:fillRef>
+          <a:effectRef idx="0">
+            <a:schemeClr val="accent1"/>
+          </a:effectRef>
+          <a:fontRef idx="minor">
+            <a:schemeClr val="lt1"/>
+          </a:fontRef>
+        </p:style>
+        <p:txBody>
+          <a:bodyPr rtlCol="0" anchor="ctr"/>
+          <a:lstStyle/>
+          <a:p>
+            <a:pPr algn="ctr"/>
+            <a:endParaRPr lang="en-US"/>
+          </a:p>
+        </p:txBody>
+      </p:sp>
+      <p:sp>
+        <p:nvSpPr>
+          <p:cNvPr id="5" name="Left Arrow 4"/>
+          <p:cNvSpPr/>
+          <p:nvPr/>
+        </p:nvSpPr>
+        <p:spPr>
+          <a:xfrm>
+            <a:off x="3569660" y="5389761"/>
+            <a:ext cx="561740" cy="199875"/>
+          </a:xfrm>
+          <a:prstGeom prst="leftArrow">
+            <a:avLst/>
+          </a:prstGeom>
+          <a:solidFill>
+            <a:srgbClr val="0070C0"/>
+          </a:solidFill>
+          <a:ln>
+            <a:solidFill>
+              <a:srgbClr val="0070C0"/>
+            </a:solidFill>
+          </a:ln>
+        </p:spPr>
+        <p:style>
+          <a:lnRef idx="2">
+            <a:schemeClr val="accent1">
+              <a:shade val="50000"/>
+            </a:schemeClr>
+          </a:lnRef>
+          <a:fillRef idx="1">
+            <a:schemeClr val="accent1"/>
+          </a:fillRef>
+          <a:effectRef idx="0">
+            <a:schemeClr val="accent1"/>
+          </a:effectRef>
+          <a:fontRef idx="minor">
+            <a:schemeClr val="lt1"/>
+          </a:fontRef>
+        </p:style>
+        <p:txBody>
+          <a:bodyPr rtlCol="0" anchor="ctr"/>
+          <a:lstStyle/>
+          <a:p>
+            <a:pPr algn="ctr"/>
+            <a:endParaRPr lang="en-US"/>
+          </a:p>
+        </p:txBody>
+      </p:sp>
+      <p:sp>
+        <p:nvSpPr>
+          <p:cNvPr id="39" name="Left Arrow 38"/>
+          <p:cNvSpPr/>
+          <p:nvPr/>
+        </p:nvSpPr>
+        <p:spPr>
+          <a:xfrm>
+            <a:off x="1983270" y="5327954"/>
+            <a:ext cx="561740" cy="199875"/>
+          </a:xfrm>
+          <a:prstGeom prst="leftArrow">
+            <a:avLst/>
+          </a:prstGeom>
+          <a:solidFill>
+            <a:srgbClr val="0070C0"/>
+          </a:solidFill>
+          <a:ln>
+            <a:solidFill>
+              <a:srgbClr val="0070C0"/>
+            </a:solidFill>
+          </a:ln>
+        </p:spPr>
+        <p:style>
+          <a:lnRef idx="2">
+            <a:schemeClr val="accent1">
+              <a:shade val="50000"/>
+            </a:schemeClr>
+          </a:lnRef>
+          <a:fillRef idx="1">
+            <a:schemeClr val="accent1"/>
+          </a:fillRef>
+          <a:effectRef idx="0">
+            <a:schemeClr val="accent1"/>
+          </a:effectRef>
+          <a:fontRef idx="minor">
+            <a:schemeClr val="lt1"/>
+          </a:fontRef>
+        </p:style>
+        <p:txBody>
+          <a:bodyPr rtlCol="0" anchor="ctr"/>
+          <a:lstStyle/>
+          <a:p>
+            <a:pPr algn="ctr"/>
+            <a:endParaRPr lang="en-US"/>
+          </a:p>
+        </p:txBody>
+      </p:sp>
     </p:spTree>
   </p:cSld>
   <p:clrMapOvr>
@@ -3995,7 +4504,7 @@
         <p:fade/>
       </p:transition>
     </mc:Choice>
-    <mc:Fallback xmlns:p15="http://schemas.microsoft.com/office/powerpoint/2012/main" xmlns="">
+    <mc:Fallback xmlns="" xmlns:p15="http://schemas.microsoft.com/office/powerpoint/2012/main">
       <p:transition spd="med">
         <p:fade/>
       </p:transition>
